--- a/Pubs/Invited_IEEE_ManEtc16/Paper/Figs/JuicyJ.pptx
+++ b/Pubs/Invited_IEEE_ManEtc16/Paper/Figs/JuicyJ.pptx
@@ -3155,8 +3155,8 @@
             </a:p>
           </p:txBody>
         </p:sp>
-        <mc:AlternateContent xmlns:mc="http://schemas.openxmlformats.org/markup-compatibility/2006">
-          <mc:Choice xmlns:a14="http://schemas.microsoft.com/office/drawing/2010/main" Requires="a14">
+        <mc:AlternateContent xmlns:mc="http://schemas.openxmlformats.org/markup-compatibility/2006" xmlns:a14="http://schemas.microsoft.com/office/drawing/2010/main">
+          <mc:Choice Requires="a14">
             <p:sp>
               <p:nvSpPr>
                 <p:cNvPr id="5" name="TextBox 4"/>
@@ -3382,7 +3382,7 @@
               </p:txBody>
             </p:sp>
           </mc:Choice>
-          <mc:Fallback>
+          <mc:Fallback xmlns="">
             <p:sp>
               <p:nvSpPr>
                 <p:cNvPr id="5" name="TextBox 4"/>
@@ -3432,7 +3432,7 @@
               <p:spPr>
                 <a:xfrm>
                   <a:off x="3581400" y="762391"/>
-                  <a:ext cx="2419252" cy="369332"/>
+                  <a:ext cx="2484975" cy="369332"/>
                 </a:xfrm>
                 <a:prstGeom prst="rect">
                   <a:avLst/>
@@ -3445,6 +3445,7 @@
                 </a:bodyPr>
                 <a:lstStyle/>
                 <a:p>
+                  <a:pPr/>
                   <a14:m>
                     <m:oMathPara xmlns:m="http://schemas.openxmlformats.org/officeDocument/2006/math">
                       <m:oMathParaPr>
@@ -3570,7 +3571,7 @@
               <p:spPr>
                 <a:xfrm>
                   <a:off x="3581400" y="762391"/>
-                  <a:ext cx="2419252" cy="369332"/>
+                  <a:ext cx="2484975" cy="369332"/>
                 </a:xfrm>
                 <a:prstGeom prst="rect">
                   <a:avLst/>
@@ -4510,6 +4511,7 @@
               </a:bodyPr>
               <a:lstStyle/>
               <a:p>
+                <a:pPr/>
                 <a14:m>
                   <m:oMathPara xmlns:m="http://schemas.openxmlformats.org/officeDocument/2006/math">
                     <m:oMathParaPr>
@@ -4645,6 +4647,7 @@
               </a:bodyPr>
               <a:lstStyle/>
               <a:p>
+                <a:pPr/>
                 <a14:m>
                   <m:oMathPara xmlns:m="http://schemas.openxmlformats.org/officeDocument/2006/math">
                     <m:oMathParaPr>
@@ -4828,8 +4831,8 @@
           </a:fontRef>
         </p:style>
       </p:cxnSp>
-      <mc:AlternateContent xmlns:mc="http://schemas.openxmlformats.org/markup-compatibility/2006">
-        <mc:Choice xmlns:a14="http://schemas.microsoft.com/office/drawing/2010/main" Requires="a14">
+      <mc:AlternateContent xmlns:mc="http://schemas.openxmlformats.org/markup-compatibility/2006" xmlns:a14="http://schemas.microsoft.com/office/drawing/2010/main">
+        <mc:Choice Requires="a14">
           <p:sp>
             <p:nvSpPr>
               <p:cNvPr id="1052" name="Rectangle 1051"/>
@@ -4851,6 +4854,7 @@
               </a:bodyPr>
               <a:lstStyle/>
               <a:p>
+                <a:pPr/>
                 <a14:m>
                   <m:oMathPara xmlns:m="http://schemas.openxmlformats.org/officeDocument/2006/math">
                     <m:oMathParaPr>
@@ -4898,7 +4902,7 @@
             </p:txBody>
           </p:sp>
         </mc:Choice>
-        <mc:Fallback>
+        <mc:Fallback xmlns="">
           <p:sp>
             <p:nvSpPr>
               <p:cNvPr id="1052" name="Rectangle 1051"/>

--- a/Pubs/Invited_IEEE_ManEtc16/Paper/Figs/JuicyJ.pptx
+++ b/Pubs/Invited_IEEE_ManEtc16/Paper/Figs/JuicyJ.pptx
@@ -288,7 +288,7 @@
           <a:p>
             <a:fld id="{9E395C86-526C-414D-82DE-544623F3E910}" type="datetimeFigureOut">
               <a:rPr lang="en-US" smtClean="0"/>
-              <a:t>9/15/2015</a:t>
+              <a:t>9/16/2015</a:t>
             </a:fld>
             <a:endParaRPr lang="en-US"/>
           </a:p>
@@ -458,7 +458,7 @@
           <a:p>
             <a:fld id="{9E395C86-526C-414D-82DE-544623F3E910}" type="datetimeFigureOut">
               <a:rPr lang="en-US" smtClean="0"/>
-              <a:t>9/15/2015</a:t>
+              <a:t>9/16/2015</a:t>
             </a:fld>
             <a:endParaRPr lang="en-US"/>
           </a:p>
@@ -638,7 +638,7 @@
           <a:p>
             <a:fld id="{9E395C86-526C-414D-82DE-544623F3E910}" type="datetimeFigureOut">
               <a:rPr lang="en-US" smtClean="0"/>
-              <a:t>9/15/2015</a:t>
+              <a:t>9/16/2015</a:t>
             </a:fld>
             <a:endParaRPr lang="en-US"/>
           </a:p>
@@ -808,7 +808,7 @@
           <a:p>
             <a:fld id="{9E395C86-526C-414D-82DE-544623F3E910}" type="datetimeFigureOut">
               <a:rPr lang="en-US" smtClean="0"/>
-              <a:t>9/15/2015</a:t>
+              <a:t>9/16/2015</a:t>
             </a:fld>
             <a:endParaRPr lang="en-US"/>
           </a:p>
@@ -1054,7 +1054,7 @@
           <a:p>
             <a:fld id="{9E395C86-526C-414D-82DE-544623F3E910}" type="datetimeFigureOut">
               <a:rPr lang="en-US" smtClean="0"/>
-              <a:t>9/15/2015</a:t>
+              <a:t>9/16/2015</a:t>
             </a:fld>
             <a:endParaRPr lang="en-US"/>
           </a:p>
@@ -1342,7 +1342,7 @@
           <a:p>
             <a:fld id="{9E395C86-526C-414D-82DE-544623F3E910}" type="datetimeFigureOut">
               <a:rPr lang="en-US" smtClean="0"/>
-              <a:t>9/15/2015</a:t>
+              <a:t>9/16/2015</a:t>
             </a:fld>
             <a:endParaRPr lang="en-US"/>
           </a:p>
@@ -1764,7 +1764,7 @@
           <a:p>
             <a:fld id="{9E395C86-526C-414D-82DE-544623F3E910}" type="datetimeFigureOut">
               <a:rPr lang="en-US" smtClean="0"/>
-              <a:t>9/15/2015</a:t>
+              <a:t>9/16/2015</a:t>
             </a:fld>
             <a:endParaRPr lang="en-US"/>
           </a:p>
@@ -1882,7 +1882,7 @@
           <a:p>
             <a:fld id="{9E395C86-526C-414D-82DE-544623F3E910}" type="datetimeFigureOut">
               <a:rPr lang="en-US" smtClean="0"/>
-              <a:t>9/15/2015</a:t>
+              <a:t>9/16/2015</a:t>
             </a:fld>
             <a:endParaRPr lang="en-US"/>
           </a:p>
@@ -1977,7 +1977,7 @@
           <a:p>
             <a:fld id="{9E395C86-526C-414D-82DE-544623F3E910}" type="datetimeFigureOut">
               <a:rPr lang="en-US" smtClean="0"/>
-              <a:t>9/15/2015</a:t>
+              <a:t>9/16/2015</a:t>
             </a:fld>
             <a:endParaRPr lang="en-US"/>
           </a:p>
@@ -2254,7 +2254,7 @@
           <a:p>
             <a:fld id="{9E395C86-526C-414D-82DE-544623F3E910}" type="datetimeFigureOut">
               <a:rPr lang="en-US" smtClean="0"/>
-              <a:t>9/15/2015</a:t>
+              <a:t>9/16/2015</a:t>
             </a:fld>
             <a:endParaRPr lang="en-US"/>
           </a:p>
@@ -2507,7 +2507,7 @@
           <a:p>
             <a:fld id="{9E395C86-526C-414D-82DE-544623F3E910}" type="datetimeFigureOut">
               <a:rPr lang="en-US" smtClean="0"/>
-              <a:t>9/15/2015</a:t>
+              <a:t>9/16/2015</a:t>
             </a:fld>
             <a:endParaRPr lang="en-US"/>
           </a:p>
@@ -2720,7 +2720,7 @@
           <a:p>
             <a:fld id="{9E395C86-526C-414D-82DE-544623F3E910}" type="datetimeFigureOut">
               <a:rPr lang="en-US" smtClean="0"/>
-              <a:t>9/15/2015</a:t>
+              <a:t>9/16/2015</a:t>
             </a:fld>
             <a:endParaRPr lang="en-US"/>
           </a:p>
@@ -3155,8 +3155,8 @@
             </a:p>
           </p:txBody>
         </p:sp>
-        <mc:AlternateContent xmlns:mc="http://schemas.openxmlformats.org/markup-compatibility/2006" xmlns:a14="http://schemas.microsoft.com/office/drawing/2010/main">
-          <mc:Choice Requires="a14">
+        <mc:AlternateContent xmlns:mc="http://schemas.openxmlformats.org/markup-compatibility/2006">
+          <mc:Choice xmlns:a14="http://schemas.microsoft.com/office/drawing/2010/main" Requires="a14">
             <p:sp>
               <p:nvSpPr>
                 <p:cNvPr id="5" name="TextBox 4"/>
@@ -3382,7 +3382,7 @@
               </p:txBody>
             </p:sp>
           </mc:Choice>
-          <mc:Fallback xmlns="">
+          <mc:Fallback>
             <p:sp>
               <p:nvSpPr>
                 <p:cNvPr id="5" name="TextBox 4"/>
@@ -4244,8 +4244,8 @@
         </p:nvCxnSpPr>
         <p:spPr>
           <a:xfrm flipV="1">
-            <a:off x="8534400" y="4953000"/>
-            <a:ext cx="0" cy="1219200"/>
+            <a:off x="8534400" y="4676001"/>
+            <a:ext cx="0" cy="1496199"/>
           </a:xfrm>
           <a:prstGeom prst="straightConnector1">
             <a:avLst/>
@@ -4352,7 +4352,7 @@
         <p:spPr>
           <a:xfrm>
             <a:off x="7696200" y="4306669"/>
-            <a:ext cx="1371600" cy="646331"/>
+            <a:ext cx="1371600" cy="369332"/>
           </a:xfrm>
           <a:prstGeom prst="rect">
             <a:avLst/>
@@ -4373,7 +4373,7 @@
             <a:pPr algn="ctr"/>
             <a:r>
               <a:rPr lang="en-US" b="1" dirty="0" smtClean="0"/>
-              <a:t>Physical System</a:t>
+              <a:t>Vehicle</a:t>
             </a:r>
             <a:endParaRPr lang="en-US" b="1" dirty="0"/>
           </a:p>
@@ -4831,8 +4831,8 @@
           </a:fontRef>
         </p:style>
       </p:cxnSp>
-      <mc:AlternateContent xmlns:mc="http://schemas.openxmlformats.org/markup-compatibility/2006" xmlns:a14="http://schemas.microsoft.com/office/drawing/2010/main">
-        <mc:Choice Requires="a14">
+      <mc:AlternateContent xmlns:mc="http://schemas.openxmlformats.org/markup-compatibility/2006">
+        <mc:Choice xmlns:a14="http://schemas.microsoft.com/office/drawing/2010/main" Requires="a14">
           <p:sp>
             <p:nvSpPr>
               <p:cNvPr id="1052" name="Rectangle 1051"/>
@@ -4842,7 +4842,7 @@
             <p:spPr>
               <a:xfrm>
                 <a:off x="3456931" y="1900339"/>
-                <a:ext cx="1082412" cy="369332"/>
+                <a:ext cx="1018291" cy="362984"/>
               </a:xfrm>
               <a:prstGeom prst="rect">
                 <a:avLst/>
@@ -4897,12 +4897,12 @@
                     </m:oMath>
                   </m:oMathPara>
                 </a14:m>
-                <a:endParaRPr lang="en-US" dirty="0"/>
+                <a:endParaRPr lang="en-US" baseline="-25000" dirty="0"/>
               </a:p>
             </p:txBody>
           </p:sp>
         </mc:Choice>
-        <mc:Fallback xmlns="">
+        <mc:Fallback>
           <p:sp>
             <p:nvSpPr>
               <p:cNvPr id="1052" name="Rectangle 1051"/>
@@ -4914,7 +4914,7 @@
             <p:spPr>
               <a:xfrm>
                 <a:off x="3456931" y="1900339"/>
-                <a:ext cx="1082412" cy="369332"/>
+                <a:ext cx="1018291" cy="362984"/>
               </a:xfrm>
               <a:prstGeom prst="rect">
                 <a:avLst/>
@@ -4922,7 +4922,7 @@
               <a:blipFill rotWithShape="1">
                 <a:blip r:embed="rId9"/>
                 <a:stretch>
-                  <a:fillRect b="-13333"/>
+                  <a:fillRect b="-10169"/>
                 </a:stretch>
               </a:blipFill>
             </p:spPr>
